--- a/Presentation.pptx
+++ b/Presentation.pptx
@@ -5,19 +5,22 @@
     <p:sldMasterId id="2147483648" r:id="rId1"/>
   </p:sldMasterIdLst>
   <p:notesMasterIdLst>
-    <p:notesMasterId r:id="rId12"/>
+    <p:notesMasterId r:id="rId15"/>
   </p:notesMasterIdLst>
   <p:sldIdLst>
     <p:sldId id="256" r:id="rId2"/>
-    <p:sldId id="257" r:id="rId3"/>
-    <p:sldId id="258" r:id="rId4"/>
-    <p:sldId id="259" r:id="rId5"/>
-    <p:sldId id="260" r:id="rId6"/>
-    <p:sldId id="261" r:id="rId7"/>
+    <p:sldId id="260" r:id="rId3"/>
+    <p:sldId id="261" r:id="rId4"/>
+    <p:sldId id="257" r:id="rId5"/>
+    <p:sldId id="269" r:id="rId6"/>
+    <p:sldId id="270" r:id="rId7"/>
     <p:sldId id="262" r:id="rId8"/>
     <p:sldId id="263" r:id="rId9"/>
     <p:sldId id="264" r:id="rId10"/>
     <p:sldId id="265" r:id="rId11"/>
+    <p:sldId id="266" r:id="rId12"/>
+    <p:sldId id="267" r:id="rId13"/>
+    <p:sldId id="268" r:id="rId14"/>
   </p:sldIdLst>
   <p:sldSz cx="9144000" cy="5143500" type="screen16x9"/>
   <p:notesSz cx="5143500" cy="9144000"/>
@@ -121,118 +124,6 @@
 </p:presentation>
 </file>
 
-<file path=ppt/ink/ink1.xml><?xml version="1.0" encoding="utf-8"?>
-<inkml:ink xmlns:inkml="http://www.w3.org/2003/InkML">
-  <inkml:definitions>
-    <inkml:context xml:id="ctx0">
-      <inkml:inkSource xml:id="inkSrc0">
-        <inkml:traceFormat>
-          <inkml:channel name="X" type="integer" min="-2.14748E9" max="2.14748E9" units="cm"/>
-          <inkml:channel name="Y" type="integer" min="-2.14748E9" max="2.14748E9" units="cm"/>
-          <inkml:channel name="F" type="integer" max="32767" units="dev"/>
-        </inkml:traceFormat>
-        <inkml:channelProperties>
-          <inkml:channelProperty channel="X" name="resolution" value="1000" units="1/cm"/>
-          <inkml:channelProperty channel="Y" name="resolution" value="1000" units="1/cm"/>
-          <inkml:channelProperty channel="F" name="resolution" value="0" units="1/dev"/>
-        </inkml:channelProperties>
-      </inkml:inkSource>
-      <inkml:timestamp xml:id="ts0" timeString="2024-08-10T08:36:31.672"/>
-    </inkml:context>
-    <inkml:brush xml:id="br0">
-      <inkml:brushProperty name="width" value="0.1" units="cm"/>
-      <inkml:brushProperty name="height" value="0.1" units="cm"/>
-      <inkml:brushProperty name="color" value="#E71224"/>
-    </inkml:brush>
-  </inkml:definitions>
-  <inkml:trace contextRef="#ctx0" brushRef="#br0">878 24 24575,'-56'-16'0,"10"11"0,-1 3 0,-50 3 0,29 0 0,38 1 0,0 1 0,1 2 0,-34 9 0,-19 3 0,52-10 0,0 1 0,-31 13 0,51-18 0,0 2 0,0 1 0,0 0 0,0 0 0,1 1 0,0 0 0,0 1 0,1 0 0,-10 11 0,-6 5 0,18-16 0,0 0 0,0 0 0,0 1 0,1 0 0,1 0 0,-1 0 0,1 0 0,-3 13 0,-13 26 0,18-42 0,0-1 0,0 1 0,0 0 0,1 0 0,-1 0 0,1 0 0,1 0 0,-1 0 0,1 0 0,0 0 0,1 0 0,-1 0 0,1 0 0,1 0 0,-1 0 0,1 0 0,0-1 0,0 1 0,0 0 0,1-1 0,0 0 0,0 1 0,0-1 0,1 0 0,0-1 0,0 1 0,0-1 0,6 5 0,4 7 0,0 0 0,16 25 0,-18-24 0,0 0 0,24 24 0,-25-31 0,1 0 0,0-1 0,0 0 0,1-1 0,0-1 0,20 9 0,18 12 0,-40-21 0,1 0 0,-1-1 0,1 0 0,16 4 0,11 2 0,-1 0 0,50 25 0,-46-19 0,0-2 0,1-2 0,86 18 0,-92-26 0,-28-5 0,1 0 0,0 1 0,0 0 0,-1 1 0,14 6 0,-10-4 0,0 0 0,0-1 0,1 0 0,0-1 0,-1-1 0,25 2 0,89-5 0,-53-2 0,442 3 0,-491-1 0,44-8 0,19-2 0,-63 11 0,-3 0 0,41-5 0,-56 3 0,0 1 0,-1-1 0,1 0 0,-1 0 0,1-1 0,-1 0 0,0 0 0,0 0 0,0-1 0,7-5 0,-3-1 0,2 2 0,0-1 0,0 2 0,0-1 0,1 2 0,0-1 0,22-6 0,-27 11 0,-5 1 0,1 0 0,-1 0 0,1 0 0,-1 0 0,0 0 0,1-1 0,-1 1 0,0-1 0,0 0 0,0 0 0,0 0 0,-1-1 0,1 1 0,0-1 0,-1 1 0,0-1 0,1 0 0,-1 0 0,0 0 0,2-5 0,29-46 0,-25 44 0,-1 0 0,-1-1 0,0 0 0,0 0 0,6-19 0,-12 29 0,4-16 0,2 0 0,0 0 0,0 1 0,15-25 0,-19 36 0,1 1 0,0-1 0,-1 0 0,0 0 0,0 0 0,-1 0 0,1 0 0,-1 0 0,0 0 0,0 0 0,-1-1 0,0 1 0,1 0 0,-2 0 0,1-1 0,-1 1 0,0 0 0,0 0 0,0-1 0,-1 1 0,1 0 0,-1 0 0,-1 1 0,-2-6 0,-21-55 0,19 44 0,-21-40 0,24 54 0,0 1 0,0 0 0,-1 0 0,0 0 0,0 0 0,0 1 0,-1 0 0,0 0 0,1 0 0,-8-3 0,-41-32 0,47 33 0,0 1 0,0 0 0,-1 0 0,0 1 0,0 0 0,0 1 0,-1-1 0,0 1 0,1 1 0,-1 0 0,-10-2 0,-2 2 0,-35-6 0,-95-2 0,87 13 0,32 0 0,1-2 0,-48-5 0,66 3 0,1-2 0,0 1 0,-12-7 0,14 6 0,-1 0 0,0 1 0,1 0 0,-18-3 0,-51 5 0,58 1 0,0 0 0,0-1 0,-32-6 0,10 0 0,-1 2 0,1 2 0,-74 4 0,43 0 0,67-1-124,0 0 0,0 0 0,1 0 0,-1 1 0,0 0 0,0 1-1,1-1 1,-1 1 0,1 0 0,-10 6 0</inkml:trace>
-</inkml:ink>
-</file>
-
-<file path=ppt/ink/ink2.xml><?xml version="1.0" encoding="utf-8"?>
-<inkml:ink xmlns:inkml="http://www.w3.org/2003/InkML">
-  <inkml:definitions>
-    <inkml:context xml:id="ctx0">
-      <inkml:inkSource xml:id="inkSrc0">
-        <inkml:traceFormat>
-          <inkml:channel name="X" type="integer" min="-2.14748E9" max="2.14748E9" units="cm"/>
-          <inkml:channel name="Y" type="integer" min="-2.14748E9" max="2.14748E9" units="cm"/>
-          <inkml:channel name="F" type="integer" max="32767" units="dev"/>
-        </inkml:traceFormat>
-        <inkml:channelProperties>
-          <inkml:channelProperty channel="X" name="resolution" value="1000" units="1/cm"/>
-          <inkml:channelProperty channel="Y" name="resolution" value="1000" units="1/cm"/>
-          <inkml:channelProperty channel="F" name="resolution" value="0" units="1/dev"/>
-        </inkml:channelProperties>
-      </inkml:inkSource>
-      <inkml:timestamp xml:id="ts0" timeString="2024-08-10T08:36:33.681"/>
-    </inkml:context>
-    <inkml:brush xml:id="br0">
-      <inkml:brushProperty name="width" value="0.1" units="cm"/>
-      <inkml:brushProperty name="height" value="0.1" units="cm"/>
-      <inkml:brushProperty name="color" value="#E71224"/>
-    </inkml:brush>
-  </inkml:definitions>
-  <inkml:trace contextRef="#ctx0" brushRef="#br0">15 14 24575,'0'-4'0,"-3"-1"0,-9 1 0</inkml:trace>
-</inkml:ink>
-</file>
-
-<file path=ppt/ink/ink3.xml><?xml version="1.0" encoding="utf-8"?>
-<inkml:ink xmlns:inkml="http://www.w3.org/2003/InkML">
-  <inkml:definitions>
-    <inkml:context xml:id="ctx0">
-      <inkml:inkSource xml:id="inkSrc0">
-        <inkml:traceFormat>
-          <inkml:channel name="X" type="integer" min="-2.14748E9" max="2.14748E9" units="cm"/>
-          <inkml:channel name="Y" type="integer" min="-2.14748E9" max="2.14748E9" units="cm"/>
-          <inkml:channel name="F" type="integer" max="32767" units="dev"/>
-        </inkml:traceFormat>
-        <inkml:channelProperties>
-          <inkml:channelProperty channel="X" name="resolution" value="1000" units="1/cm"/>
-          <inkml:channelProperty channel="Y" name="resolution" value="1000" units="1/cm"/>
-          <inkml:channelProperty channel="F" name="resolution" value="0" units="1/dev"/>
-        </inkml:channelProperties>
-      </inkml:inkSource>
-      <inkml:timestamp xml:id="ts0" timeString="2024-08-10T08:36:34.501"/>
-    </inkml:context>
-    <inkml:brush xml:id="br0">
-      <inkml:brushProperty name="width" value="0.1" units="cm"/>
-      <inkml:brushProperty name="height" value="0.1" units="cm"/>
-      <inkml:brushProperty name="color" value="#E71224"/>
-    </inkml:brush>
-  </inkml:definitions>
-  <inkml:trace contextRef="#ctx0" brushRef="#br0">200 0 24575,'-4'0'0,"-4"0"0,-8 0 0,-5 0 0,-2 0 0,-1 0 0,-3 0 0,-1 0 0,1 0 0,5 0-8191</inkml:trace>
-</inkml:ink>
-</file>
-
-<file path=ppt/ink/ink4.xml><?xml version="1.0" encoding="utf-8"?>
-<inkml:ink xmlns:inkml="http://www.w3.org/2003/InkML">
-  <inkml:definitions>
-    <inkml:context xml:id="ctx0">
-      <inkml:inkSource xml:id="inkSrc0">
-        <inkml:traceFormat>
-          <inkml:channel name="X" type="integer" min="-2.14748E9" max="2.14748E9" units="cm"/>
-          <inkml:channel name="Y" type="integer" min="-2.14748E9" max="2.14748E9" units="cm"/>
-          <inkml:channel name="F" type="integer" max="32767" units="dev"/>
-        </inkml:traceFormat>
-        <inkml:channelProperties>
-          <inkml:channelProperty channel="X" name="resolution" value="1000" units="1/cm"/>
-          <inkml:channelProperty channel="Y" name="resolution" value="1000" units="1/cm"/>
-          <inkml:channelProperty channel="F" name="resolution" value="0" units="1/dev"/>
-        </inkml:channelProperties>
-      </inkml:inkSource>
-      <inkml:timestamp xml:id="ts0" timeString="2024-08-10T08:36:51.323"/>
-    </inkml:context>
-    <inkml:brush xml:id="br0">
-      <inkml:brushProperty name="width" value="0.1" units="cm"/>
-      <inkml:brushProperty name="height" value="0.1" units="cm"/>
-      <inkml:brushProperty name="color" value="#E71224"/>
-    </inkml:brush>
-  </inkml:definitions>
-  <inkml:trace contextRef="#ctx0" brushRef="#br0">1088 22 24575,'-1'-1'0,"1"0"0,-1 0 0,1 0 0,-1 1 0,0-1 0,0 0 0,1 0 0,-1 0 0,0 1 0,0-1 0,0 1 0,1-1 0,-1 0 0,0 1 0,0-1 0,0 1 0,0 0 0,0-1 0,0 1 0,0 0 0,0 0 0,0 0 0,0-1 0,-2 1 0,-30-4 0,31 4 0,-29-2 0,1 3 0,0 0 0,-50 10 0,62-9 0,-111 24 0,74-13 0,19-6 0,18-5 0,1 2 0,0 0 0,0 1 0,0 1 0,-21 10 0,23-9 0,0-1 0,0 0 0,-23 5 0,28-10 0,1 1 0,0 1 0,0-1 0,0 1 0,0 1 0,1 0 0,0 0 0,-1 1 0,1 0 0,1 0 0,-1 1 0,1 0 0,-8 9 0,-80 81 0,86-86 0,0-1 0,-21 18 0,20-20 0,1 1 0,1 0 0,-1 0 0,-12 17 0,-6 11 0,21-29 0,0 0 0,0 0 0,1 0 0,0 1 0,1 0 0,0 0 0,0 0 0,-3 9 0,5-10 0,-1 2 0,1 0 0,0 1 0,0-1 0,0 1 0,1 10 0,1-16 0,1-1 0,-1 1 0,1-1 0,0 0 0,0 1 0,0-1 0,0 0 0,1 0 0,-1 1 0,1-1 0,0 0 0,0 0 0,0-1 0,0 1 0,0 0 0,1-1 0,4 4 0,11 9 0,1-2 0,22 13 0,1 1 0,-27-19 0,0 0 0,1-1 0,0 0 0,26 6 0,-26-8 0,0 0 0,0 1 0,-1 0 0,0 1 0,17 12 0,-19-11 0,1 0 0,-1-1 0,1-1 0,0 0 0,1 0 0,26 5 0,93 11 0,-127-21 0,134 4 0,-104-6 0,0 2 0,66 10 0,-70-6 0,-23-4 0,0 1 0,0 0 0,0 1 0,0 0 0,14 6 0,-12-4 0,1 0 0,0-1 0,0 0 0,1-1 0,-1 0 0,27 1 0,87-6 0,-53 0 0,521 2 0,-566-3 0,1 0 0,-1-2 0,0-2 0,51-17 0,-55 16 0,-15 5 0,0-2 0,0 0 0,12-7 0,16-9 0,63-28 0,-88 43 0,-1 0 0,0-1 0,0-1 0,-1 0 0,0 0 0,0-1 0,-1-1 0,0 0 0,-1 0 0,0-1 0,-1 0 0,0 0 0,0-1 0,6-14 0,33-60 0,-42 73 0,0 1 0,-2-1 0,1 0 0,-2 0 0,1 0 0,-2-1 0,0 1 0,0 0 0,-3-23 0,0 27 0,1 1 0,-1-1 0,-1 1 0,0 0 0,0 0 0,0 0 0,-1 0 0,-1 0 0,1 1 0,-1-1 0,0 1 0,-1 1 0,1-1 0,-1 1 0,-13-11 0,13 13 0,-8-8 0,0 0 0,-1 1 0,0 1 0,-1 1 0,0 0 0,-20-7 0,23 11 0,-16-5 0,0-1 0,0-1 0,-31-20 0,39 23 0,1 0 0,-1 1 0,-1 1 0,1 1 0,-1 0 0,-35-2 0,24 2 0,31 6 0,-9-2 0,-1 0 0,0-1 0,1 0 0,-1-1 0,-11-6 0,10 5 0,0 0 0,0 1 0,0 0 0,-1 1 0,1 0 0,-27-1 0,-89 5 0,55 2 0,37-4 0,-44-9 0,-33 0 0,83 9 0,-113 5 0,127-2 0,1 1 0,0 0 0,0 1 0,0 0 0,0 1 0,-23 12 0,27-10-1365</inkml:trace>
-</inkml:ink>
-</file>
-
 <file path=ppt/notesMasters/notesMaster1.xml><?xml version="1.0" encoding="utf-8"?>
 <p:notesMaster xmlns:a="http://schemas.openxmlformats.org/drawingml/2006/main" xmlns:r="http://schemas.openxmlformats.org/officeDocument/2006/relationships" xmlns:p="http://schemas.openxmlformats.org/presentationml/2006/main">
   <p:cSld>
@@ -258,7 +149,7 @@
     </p:spTree>
     <p:extLst>
       <p:ext uri="{BB962C8B-B14F-4D97-AF65-F5344CB8AC3E}">
-        <p14:creationId xmlns:p14="http://schemas.microsoft.com/office/powerpoint/2010/main" val="289935979"/>
+        <p14:creationId xmlns:p14="http://schemas.microsoft.com/office/powerpoint/2010/main" val="3900179660"/>
       </p:ext>
     </p:extLst>
   </p:cSld>
@@ -526,6 +417,258 @@
 </p:notes>
 </file>
 
+<file path=ppt/notesSlides/notesSlide11.xml><?xml version="1.0" encoding="utf-8"?>
+<p:notes xmlns:a="http://schemas.openxmlformats.org/drawingml/2006/main" xmlns:r="http://schemas.openxmlformats.org/officeDocument/2006/relationships" xmlns:p="http://schemas.openxmlformats.org/presentationml/2006/main">
+  <p:cSld>
+    <p:spTree>
+      <p:nvGrpSpPr>
+        <p:cNvPr id="1" name=""/>
+        <p:cNvGrpSpPr/>
+        <p:nvPr/>
+      </p:nvGrpSpPr>
+      <p:grpSpPr>
+        <a:xfrm>
+          <a:off x="0" y="0"/>
+          <a:ext cx="0" cy="0"/>
+          <a:chOff x="0" y="0"/>
+          <a:chExt cx="0" cy="0"/>
+        </a:xfrm>
+      </p:grpSpPr>
+      <p:sp>
+        <p:nvSpPr>
+          <p:cNvPr id="2" name="Slide Image Placeholder 1"/>
+          <p:cNvSpPr>
+            <a:spLocks noGrp="1" noRot="1" noChangeAspect="1"/>
+          </p:cNvSpPr>
+          <p:nvPr>
+            <p:ph type="sldImg"/>
+          </p:nvPr>
+        </p:nvSpPr>
+        <p:spPr/>
+      </p:sp>
+      <p:sp>
+        <p:nvSpPr>
+          <p:cNvPr id="3" name="Notes Placeholder 2"/>
+          <p:cNvSpPr>
+            <a:spLocks noGrp="1"/>
+          </p:cNvSpPr>
+          <p:nvPr>
+            <p:ph type="body" idx="1"/>
+          </p:nvPr>
+        </p:nvSpPr>
+        <p:spPr/>
+        <p:txBody>
+          <a:bodyPr/>
+          <a:lstStyle/>
+          <a:p>
+            <a:endParaRPr lang="en-US" dirty="0"/>
+          </a:p>
+        </p:txBody>
+      </p:sp>
+      <p:sp>
+        <p:nvSpPr>
+          <p:cNvPr id="4" name="Slide Number Placeholder 3"/>
+          <p:cNvSpPr>
+            <a:spLocks noGrp="1"/>
+          </p:cNvSpPr>
+          <p:nvPr>
+            <p:ph type="sldNum" sz="quarter" idx="10"/>
+          </p:nvPr>
+        </p:nvSpPr>
+        <p:spPr/>
+        <p:txBody>
+          <a:bodyPr/>
+          <a:lstStyle/>
+          <a:p>
+            <a:fld id="{F7021451-1387-4CA6-816F-3879F97B5CBC}" type="slidenum">
+              <a:rPr lang="en-US" smtClean="0"/>
+              <a:t>11</a:t>
+            </a:fld>
+            <a:endParaRPr lang="en-US"/>
+          </a:p>
+        </p:txBody>
+      </p:sp>
+    </p:spTree>
+    <p:extLst>
+      <p:ext uri="{BB962C8B-B14F-4D97-AF65-F5344CB8AC3E}">
+        <p14:creationId xmlns:p14="http://schemas.microsoft.com/office/powerpoint/2010/main" val="1024086991"/>
+      </p:ext>
+    </p:extLst>
+  </p:cSld>
+  <p:clrMapOvr>
+    <a:masterClrMapping/>
+  </p:clrMapOvr>
+</p:notes>
+</file>
+
+<file path=ppt/notesSlides/notesSlide12.xml><?xml version="1.0" encoding="utf-8"?>
+<p:notes xmlns:a="http://schemas.openxmlformats.org/drawingml/2006/main" xmlns:r="http://schemas.openxmlformats.org/officeDocument/2006/relationships" xmlns:p="http://schemas.openxmlformats.org/presentationml/2006/main">
+  <p:cSld>
+    <p:spTree>
+      <p:nvGrpSpPr>
+        <p:cNvPr id="1" name=""/>
+        <p:cNvGrpSpPr/>
+        <p:nvPr/>
+      </p:nvGrpSpPr>
+      <p:grpSpPr>
+        <a:xfrm>
+          <a:off x="0" y="0"/>
+          <a:ext cx="0" cy="0"/>
+          <a:chOff x="0" y="0"/>
+          <a:chExt cx="0" cy="0"/>
+        </a:xfrm>
+      </p:grpSpPr>
+      <p:sp>
+        <p:nvSpPr>
+          <p:cNvPr id="2" name="Slide Image Placeholder 1"/>
+          <p:cNvSpPr>
+            <a:spLocks noGrp="1" noRot="1" noChangeAspect="1"/>
+          </p:cNvSpPr>
+          <p:nvPr>
+            <p:ph type="sldImg"/>
+          </p:nvPr>
+        </p:nvSpPr>
+        <p:spPr/>
+      </p:sp>
+      <p:sp>
+        <p:nvSpPr>
+          <p:cNvPr id="3" name="Notes Placeholder 2"/>
+          <p:cNvSpPr>
+            <a:spLocks noGrp="1"/>
+          </p:cNvSpPr>
+          <p:nvPr>
+            <p:ph type="body" idx="1"/>
+          </p:nvPr>
+        </p:nvSpPr>
+        <p:spPr/>
+        <p:txBody>
+          <a:bodyPr/>
+          <a:lstStyle/>
+          <a:p>
+            <a:endParaRPr lang="en-US" dirty="0"/>
+          </a:p>
+        </p:txBody>
+      </p:sp>
+      <p:sp>
+        <p:nvSpPr>
+          <p:cNvPr id="4" name="Slide Number Placeholder 3"/>
+          <p:cNvSpPr>
+            <a:spLocks noGrp="1"/>
+          </p:cNvSpPr>
+          <p:nvPr>
+            <p:ph type="sldNum" sz="quarter" idx="10"/>
+          </p:nvPr>
+        </p:nvSpPr>
+        <p:spPr/>
+        <p:txBody>
+          <a:bodyPr/>
+          <a:lstStyle/>
+          <a:p>
+            <a:fld id="{F7021451-1387-4CA6-816F-3879F97B5CBC}" type="slidenum">
+              <a:rPr lang="en-US" smtClean="0"/>
+              <a:t>12</a:t>
+            </a:fld>
+            <a:endParaRPr lang="en-US"/>
+          </a:p>
+        </p:txBody>
+      </p:sp>
+    </p:spTree>
+    <p:extLst>
+      <p:ext uri="{BB962C8B-B14F-4D97-AF65-F5344CB8AC3E}">
+        <p14:creationId xmlns:p14="http://schemas.microsoft.com/office/powerpoint/2010/main" val="1024086991"/>
+      </p:ext>
+    </p:extLst>
+  </p:cSld>
+  <p:clrMapOvr>
+    <a:masterClrMapping/>
+  </p:clrMapOvr>
+</p:notes>
+</file>
+
+<file path=ppt/notesSlides/notesSlide13.xml><?xml version="1.0" encoding="utf-8"?>
+<p:notes xmlns:a="http://schemas.openxmlformats.org/drawingml/2006/main" xmlns:r="http://schemas.openxmlformats.org/officeDocument/2006/relationships" xmlns:p="http://schemas.openxmlformats.org/presentationml/2006/main">
+  <p:cSld>
+    <p:spTree>
+      <p:nvGrpSpPr>
+        <p:cNvPr id="1" name=""/>
+        <p:cNvGrpSpPr/>
+        <p:nvPr/>
+      </p:nvGrpSpPr>
+      <p:grpSpPr>
+        <a:xfrm>
+          <a:off x="0" y="0"/>
+          <a:ext cx="0" cy="0"/>
+          <a:chOff x="0" y="0"/>
+          <a:chExt cx="0" cy="0"/>
+        </a:xfrm>
+      </p:grpSpPr>
+      <p:sp>
+        <p:nvSpPr>
+          <p:cNvPr id="2" name="Slide Image Placeholder 1"/>
+          <p:cNvSpPr>
+            <a:spLocks noGrp="1" noRot="1" noChangeAspect="1"/>
+          </p:cNvSpPr>
+          <p:nvPr>
+            <p:ph type="sldImg"/>
+          </p:nvPr>
+        </p:nvSpPr>
+        <p:spPr/>
+      </p:sp>
+      <p:sp>
+        <p:nvSpPr>
+          <p:cNvPr id="3" name="Notes Placeholder 2"/>
+          <p:cNvSpPr>
+            <a:spLocks noGrp="1"/>
+          </p:cNvSpPr>
+          <p:nvPr>
+            <p:ph type="body" idx="1"/>
+          </p:nvPr>
+        </p:nvSpPr>
+        <p:spPr/>
+        <p:txBody>
+          <a:bodyPr/>
+          <a:lstStyle/>
+          <a:p>
+            <a:endParaRPr lang="en-US" dirty="0"/>
+          </a:p>
+        </p:txBody>
+      </p:sp>
+      <p:sp>
+        <p:nvSpPr>
+          <p:cNvPr id="4" name="Slide Number Placeholder 3"/>
+          <p:cNvSpPr>
+            <a:spLocks noGrp="1"/>
+          </p:cNvSpPr>
+          <p:nvPr>
+            <p:ph type="sldNum" sz="quarter" idx="10"/>
+          </p:nvPr>
+        </p:nvSpPr>
+        <p:spPr/>
+        <p:txBody>
+          <a:bodyPr/>
+          <a:lstStyle/>
+          <a:p>
+            <a:fld id="{F7021451-1387-4CA6-816F-3879F97B5CBC}" type="slidenum">
+              <a:rPr lang="en-US" smtClean="0"/>
+              <a:t>13</a:t>
+            </a:fld>
+            <a:endParaRPr lang="en-US"/>
+          </a:p>
+        </p:txBody>
+      </p:sp>
+    </p:spTree>
+    <p:extLst>
+      <p:ext uri="{BB962C8B-B14F-4D97-AF65-F5344CB8AC3E}">
+        <p14:creationId xmlns:p14="http://schemas.microsoft.com/office/powerpoint/2010/main" val="1024086991"/>
+      </p:ext>
+    </p:extLst>
+  </p:cSld>
+  <p:clrMapOvr>
+    <a:masterClrMapping/>
+  </p:clrMapOvr>
+</p:notes>
+</file>
+
 <file path=ppt/notesSlides/notesSlide2.xml><?xml version="1.0" encoding="utf-8"?>
 <p:notes xmlns:a="http://schemas.openxmlformats.org/drawingml/2006/main" xmlns:r="http://schemas.openxmlformats.org/officeDocument/2006/relationships" xmlns:p="http://schemas.openxmlformats.org/presentationml/2006/main">
   <p:cSld>
@@ -600,7 +743,7 @@
     </p:spTree>
     <p:extLst>
       <p:ext uri="{BB962C8B-B14F-4D97-AF65-F5344CB8AC3E}">
-        <p14:creationId xmlns:p14="http://schemas.microsoft.com/office/powerpoint/2010/main" val="1024086991"/>
+        <p14:creationId xmlns:p14="http://schemas.microsoft.com/office/powerpoint/2010/main" val="513996907"/>
       </p:ext>
     </p:extLst>
   </p:cSld>
@@ -684,7 +827,7 @@
     </p:spTree>
     <p:extLst>
       <p:ext uri="{BB962C8B-B14F-4D97-AF65-F5344CB8AC3E}">
-        <p14:creationId xmlns:p14="http://schemas.microsoft.com/office/powerpoint/2010/main" val="1024086991"/>
+        <p14:creationId xmlns:p14="http://schemas.microsoft.com/office/powerpoint/2010/main" val="439263457"/>
       </p:ext>
     </p:extLst>
   </p:cSld>
@@ -852,7 +995,7 @@
     </p:spTree>
     <p:extLst>
       <p:ext uri="{BB962C8B-B14F-4D97-AF65-F5344CB8AC3E}">
-        <p14:creationId xmlns:p14="http://schemas.microsoft.com/office/powerpoint/2010/main" val="1024086991"/>
+        <p14:creationId xmlns:p14="http://schemas.microsoft.com/office/powerpoint/2010/main" val="706650165"/>
       </p:ext>
     </p:extLst>
   </p:cSld>
@@ -936,7 +1079,7 @@
     </p:spTree>
     <p:extLst>
       <p:ext uri="{BB962C8B-B14F-4D97-AF65-F5344CB8AC3E}">
-        <p14:creationId xmlns:p14="http://schemas.microsoft.com/office/powerpoint/2010/main" val="1024086991"/>
+        <p14:creationId xmlns:p14="http://schemas.microsoft.com/office/powerpoint/2010/main" val="611027261"/>
       </p:ext>
     </p:extLst>
   </p:cSld>
@@ -1220,14 +1363,14 @@
   <p:clrMapOvr>
     <a:masterClrMapping/>
   </p:clrMapOvr>
-  <mc:AlternateContent xmlns:mc="http://schemas.openxmlformats.org/markup-compatibility/2006">
-    <mc:Choice xmlns:p159="http://schemas.microsoft.com/office/powerpoint/2015/09/main" Requires="p159">
-      <p:transition spd="slow">
+  <mc:AlternateContent xmlns:mc="http://schemas.openxmlformats.org/markup-compatibility/2006" xmlns:p159="http://schemas.microsoft.com/office/powerpoint/2015/09/main">
+    <mc:Choice Requires="p159">
+      <p:transition spd="med">
         <p159:morph option="byObject"/>
       </p:transition>
     </mc:Choice>
-    <mc:Fallback>
-      <p:transition spd="slow">
+    <mc:Fallback xmlns="">
+      <p:transition spd="med">
         <p:fade/>
       </p:transition>
     </mc:Fallback>
@@ -1263,14 +1406,14 @@
   <p:sldLayoutIdLst>
     <p:sldLayoutId id="2147483649" r:id="rId1"/>
   </p:sldLayoutIdLst>
-  <mc:AlternateContent xmlns:mc="http://schemas.openxmlformats.org/markup-compatibility/2006">
-    <mc:Choice xmlns:p159="http://schemas.microsoft.com/office/powerpoint/2015/09/main" Requires="p159">
-      <p:transition spd="slow">
+  <mc:AlternateContent xmlns:mc="http://schemas.openxmlformats.org/markup-compatibility/2006" xmlns:p159="http://schemas.microsoft.com/office/powerpoint/2015/09/main">
+    <mc:Choice Requires="p159">
+      <p:transition spd="med">
         <p159:morph option="byObject"/>
       </p:transition>
     </mc:Choice>
-    <mc:Fallback>
-      <p:transition spd="slow">
+    <mc:Fallback xmlns="">
+      <p:transition spd="med">
         <p:fade/>
       </p:transition>
     </mc:Fallback>
@@ -1574,14 +1717,14 @@
   <p:clrMapOvr>
     <a:masterClrMapping/>
   </p:clrMapOvr>
-  <mc:AlternateContent xmlns:mc="http://schemas.openxmlformats.org/markup-compatibility/2006">
-    <mc:Choice xmlns:p159="http://schemas.microsoft.com/office/powerpoint/2015/09/main" Requires="p159">
-      <p:transition spd="slow">
+  <mc:AlternateContent xmlns:mc="http://schemas.openxmlformats.org/markup-compatibility/2006" xmlns:p159="http://schemas.microsoft.com/office/powerpoint/2015/09/main">
+    <mc:Choice Requires="p159">
+      <p:transition spd="med">
         <p159:morph option="byObject"/>
       </p:transition>
     </mc:Choice>
-    <mc:Fallback>
-      <p:transition spd="slow">
+    <mc:Fallback xmlns="">
+      <p:transition spd="med">
         <p:fade/>
       </p:transition>
     </mc:Fallback>
@@ -1592,6 +1735,186 @@
 <file path=ppt/slides/slide10.xml><?xml version="1.0" encoding="utf-8"?>
 <p:sld xmlns:a="http://schemas.openxmlformats.org/drawingml/2006/main" xmlns:r="http://schemas.openxmlformats.org/officeDocument/2006/relationships" xmlns:p="http://schemas.openxmlformats.org/presentationml/2006/main">
   <p:cSld name="Slide 10">
+    <p:spTree>
+      <p:nvGrpSpPr>
+        <p:cNvPr id="1" name=""/>
+        <p:cNvGrpSpPr/>
+        <p:nvPr/>
+      </p:nvGrpSpPr>
+      <p:grpSpPr>
+        <a:xfrm>
+          <a:off x="0" y="0"/>
+          <a:ext cx="0" cy="0"/>
+          <a:chOff x="0" y="0"/>
+          <a:chExt cx="0" cy="0"/>
+        </a:xfrm>
+      </p:grpSpPr>
+      <p:pic>
+        <p:nvPicPr>
+          <p:cNvPr id="2" name="Object 1" descr="/tmp/beautiful_ai_exports/2957bcad-9a90-47c7-be43-9509327909cf.jpg"/>
+          <p:cNvPicPr>
+            <a:picLocks noChangeAspect="1"/>
+          </p:cNvPicPr>
+          <p:nvPr/>
+        </p:nvPicPr>
+        <p:blipFill>
+          <a:blip r:embed="rId3"/>
+          <a:srcRect/>
+          <a:stretch/>
+        </p:blipFill>
+        <p:spPr>
+          <a:xfrm>
+            <a:off x="0" y="0"/>
+            <a:ext cx="9144000" cy="5143500"/>
+          </a:xfrm>
+          <a:prstGeom prst="rect">
+            <a:avLst/>
+          </a:prstGeom>
+        </p:spPr>
+      </p:pic>
+    </p:spTree>
+  </p:cSld>
+  <p:clrMapOvr>
+    <a:masterClrMapping/>
+  </p:clrMapOvr>
+  <mc:AlternateContent xmlns:mc="http://schemas.openxmlformats.org/markup-compatibility/2006" xmlns:p159="http://schemas.microsoft.com/office/powerpoint/2015/09/main">
+    <mc:Choice Requires="p159">
+      <p:transition spd="med">
+        <p159:morph option="byObject"/>
+      </p:transition>
+    </mc:Choice>
+    <mc:Fallback xmlns="">
+      <p:transition spd="med">
+        <p:fade/>
+      </p:transition>
+    </mc:Fallback>
+  </mc:AlternateContent>
+</p:sld>
+</file>
+
+<file path=ppt/slides/slide11.xml><?xml version="1.0" encoding="utf-8"?>
+<p:sld xmlns:a="http://schemas.openxmlformats.org/drawingml/2006/main" xmlns:r="http://schemas.openxmlformats.org/officeDocument/2006/relationships" xmlns:p="http://schemas.openxmlformats.org/presentationml/2006/main">
+  <p:cSld name="Slide 11">
+    <p:spTree>
+      <p:nvGrpSpPr>
+        <p:cNvPr id="1" name=""/>
+        <p:cNvGrpSpPr/>
+        <p:nvPr/>
+      </p:nvGrpSpPr>
+      <p:grpSpPr>
+        <a:xfrm>
+          <a:off x="0" y="0"/>
+          <a:ext cx="0" cy="0"/>
+          <a:chOff x="0" y="0"/>
+          <a:chExt cx="0" cy="0"/>
+        </a:xfrm>
+      </p:grpSpPr>
+      <p:pic>
+        <p:nvPicPr>
+          <p:cNvPr id="2" name="Object 1" descr="/tmp/beautiful_ai_exports/10c3a21e-4ce7-422c-ac7d-dff2bf9fc413.jpg"/>
+          <p:cNvPicPr>
+            <a:picLocks noChangeAspect="1"/>
+          </p:cNvPicPr>
+          <p:nvPr/>
+        </p:nvPicPr>
+        <p:blipFill>
+          <a:blip r:embed="rId3"/>
+          <a:srcRect/>
+          <a:stretch/>
+        </p:blipFill>
+        <p:spPr>
+          <a:xfrm>
+            <a:off x="0" y="0"/>
+            <a:ext cx="9144000" cy="5143500"/>
+          </a:xfrm>
+          <a:prstGeom prst="rect">
+            <a:avLst/>
+          </a:prstGeom>
+        </p:spPr>
+      </p:pic>
+    </p:spTree>
+  </p:cSld>
+  <p:clrMapOvr>
+    <a:masterClrMapping/>
+  </p:clrMapOvr>
+  <mc:AlternateContent xmlns:mc="http://schemas.openxmlformats.org/markup-compatibility/2006" xmlns:p159="http://schemas.microsoft.com/office/powerpoint/2015/09/main">
+    <mc:Choice Requires="p159">
+      <p:transition spd="med">
+        <p159:morph option="byObject"/>
+      </p:transition>
+    </mc:Choice>
+    <mc:Fallback xmlns="">
+      <p:transition spd="med">
+        <p:fade/>
+      </p:transition>
+    </mc:Fallback>
+  </mc:AlternateContent>
+</p:sld>
+</file>
+
+<file path=ppt/slides/slide12.xml><?xml version="1.0" encoding="utf-8"?>
+<p:sld xmlns:a="http://schemas.openxmlformats.org/drawingml/2006/main" xmlns:r="http://schemas.openxmlformats.org/officeDocument/2006/relationships" xmlns:p="http://schemas.openxmlformats.org/presentationml/2006/main">
+  <p:cSld name="Slide 12">
+    <p:spTree>
+      <p:nvGrpSpPr>
+        <p:cNvPr id="1" name=""/>
+        <p:cNvGrpSpPr/>
+        <p:nvPr/>
+      </p:nvGrpSpPr>
+      <p:grpSpPr>
+        <a:xfrm>
+          <a:off x="0" y="0"/>
+          <a:ext cx="0" cy="0"/>
+          <a:chOff x="0" y="0"/>
+          <a:chExt cx="0" cy="0"/>
+        </a:xfrm>
+      </p:grpSpPr>
+      <p:pic>
+        <p:nvPicPr>
+          <p:cNvPr id="2" name="Object 1" descr="/tmp/beautiful_ai_exports/c06e9008-81d1-4441-afb7-3e4a8563bdb4.jpg"/>
+          <p:cNvPicPr>
+            <a:picLocks noChangeAspect="1"/>
+          </p:cNvPicPr>
+          <p:nvPr/>
+        </p:nvPicPr>
+        <p:blipFill>
+          <a:blip r:embed="rId3"/>
+          <a:srcRect/>
+          <a:stretch/>
+        </p:blipFill>
+        <p:spPr>
+          <a:xfrm>
+            <a:off x="0" y="0"/>
+            <a:ext cx="9144000" cy="5143500"/>
+          </a:xfrm>
+          <a:prstGeom prst="rect">
+            <a:avLst/>
+          </a:prstGeom>
+        </p:spPr>
+      </p:pic>
+    </p:spTree>
+  </p:cSld>
+  <p:clrMapOvr>
+    <a:masterClrMapping/>
+  </p:clrMapOvr>
+  <mc:AlternateContent xmlns:mc="http://schemas.openxmlformats.org/markup-compatibility/2006" xmlns:p159="http://schemas.microsoft.com/office/powerpoint/2015/09/main">
+    <mc:Choice Requires="p159">
+      <p:transition spd="med">
+        <p159:morph option="byObject"/>
+      </p:transition>
+    </mc:Choice>
+    <mc:Fallback xmlns="">
+      <p:transition spd="med">
+        <p:fade/>
+      </p:transition>
+    </mc:Fallback>
+  </mc:AlternateContent>
+</p:sld>
+</file>
+
+<file path=ppt/slides/slide13.xml><?xml version="1.0" encoding="utf-8"?>
+<p:sld xmlns:a="http://schemas.openxmlformats.org/drawingml/2006/main" xmlns:r="http://schemas.openxmlformats.org/officeDocument/2006/relationships" xmlns:p="http://schemas.openxmlformats.org/presentationml/2006/main">
+  <p:cSld name="Slide 13">
     <p:spTree>
       <p:nvGrpSpPr>
         <p:cNvPr id="1" name=""/>
@@ -1634,14 +1957,14 @@
   <p:clrMapOvr>
     <a:masterClrMapping/>
   </p:clrMapOvr>
-  <mc:AlternateContent xmlns:mc="http://schemas.openxmlformats.org/markup-compatibility/2006">
-    <mc:Choice xmlns:p159="http://schemas.microsoft.com/office/powerpoint/2015/09/main" Requires="p159">
-      <p:transition spd="slow">
+  <mc:AlternateContent xmlns:mc="http://schemas.openxmlformats.org/markup-compatibility/2006" xmlns:p159="http://schemas.microsoft.com/office/powerpoint/2015/09/main">
+    <mc:Choice Requires="p159">
+      <p:transition spd="med">
         <p159:morph option="byObject"/>
       </p:transition>
     </mc:Choice>
-    <mc:Fallback>
-      <p:transition spd="slow">
+    <mc:Fallback xmlns="">
+      <p:transition spd="med">
         <p:fade/>
       </p:transition>
     </mc:Fallback>
@@ -1651,7 +1974,7 @@
 
 <file path=ppt/slides/slide2.xml><?xml version="1.0" encoding="utf-8"?>
 <p:sld xmlns:a="http://schemas.openxmlformats.org/drawingml/2006/main" xmlns:r="http://schemas.openxmlformats.org/officeDocument/2006/relationships" xmlns:p="http://schemas.openxmlformats.org/presentationml/2006/main">
-  <p:cSld name="Slide 2">
+  <p:cSld>
     <p:spTree>
       <p:nvGrpSpPr>
         <p:cNvPr id="1" name=""/>
@@ -1690,18 +2013,23 @@
         </p:spPr>
       </p:pic>
     </p:spTree>
+    <p:extLst>
+      <p:ext uri="{BB962C8B-B14F-4D97-AF65-F5344CB8AC3E}">
+        <p14:creationId xmlns:p14="http://schemas.microsoft.com/office/powerpoint/2010/main" val="3987061033"/>
+      </p:ext>
+    </p:extLst>
   </p:cSld>
   <p:clrMapOvr>
     <a:masterClrMapping/>
   </p:clrMapOvr>
-  <mc:AlternateContent xmlns:mc="http://schemas.openxmlformats.org/markup-compatibility/2006">
-    <mc:Choice xmlns:p159="http://schemas.microsoft.com/office/powerpoint/2015/09/main" Requires="p159">
-      <p:transition spd="slow">
+  <mc:AlternateContent xmlns:mc="http://schemas.openxmlformats.org/markup-compatibility/2006" xmlns:p159="http://schemas.microsoft.com/office/powerpoint/2015/09/main">
+    <mc:Choice Requires="p159">
+      <p:transition spd="med">
         <p159:morph option="byObject"/>
       </p:transition>
     </mc:Choice>
-    <mc:Fallback>
-      <p:transition spd="slow">
+    <mc:Fallback xmlns="">
+      <p:transition spd="med">
         <p:fade/>
       </p:transition>
     </mc:Fallback>
@@ -1711,7 +2039,7 @@
 
 <file path=ppt/slides/slide3.xml><?xml version="1.0" encoding="utf-8"?>
 <p:sld xmlns:a="http://schemas.openxmlformats.org/drawingml/2006/main" xmlns:r="http://schemas.openxmlformats.org/officeDocument/2006/relationships" xmlns:p="http://schemas.openxmlformats.org/presentationml/2006/main">
-  <p:cSld name="Slide 3">
+  <p:cSld>
     <p:spTree>
       <p:nvGrpSpPr>
         <p:cNvPr id="1" name=""/>
@@ -1728,7 +2056,72 @@
       </p:grpSpPr>
       <p:pic>
         <p:nvPicPr>
-          <p:cNvPr id="2" name="Object 1" descr="/tmp/beautiful_ai_exports/1a862cc9-cda2-47f6-8019-2557e5f78512.jpg"/>
+          <p:cNvPr id="2" name="Object 1" descr="/tmp/beautiful_ai_exports/8a25e4c3-e809-4d6e-8e91-8e4f3e8eb214.jpg"/>
+          <p:cNvPicPr>
+            <a:picLocks noChangeAspect="1"/>
+          </p:cNvPicPr>
+          <p:nvPr/>
+        </p:nvPicPr>
+        <p:blipFill>
+          <a:blip r:embed="rId3"/>
+          <a:srcRect/>
+          <a:stretch/>
+        </p:blipFill>
+        <p:spPr>
+          <a:xfrm>
+            <a:off x="0" y="0"/>
+            <a:ext cx="9144000" cy="5143500"/>
+          </a:xfrm>
+          <a:prstGeom prst="rect">
+            <a:avLst/>
+          </a:prstGeom>
+        </p:spPr>
+      </p:pic>
+    </p:spTree>
+    <p:extLst>
+      <p:ext uri="{BB962C8B-B14F-4D97-AF65-F5344CB8AC3E}">
+        <p14:creationId xmlns:p14="http://schemas.microsoft.com/office/powerpoint/2010/main" val="2903668873"/>
+      </p:ext>
+    </p:extLst>
+  </p:cSld>
+  <p:clrMapOvr>
+    <a:masterClrMapping/>
+  </p:clrMapOvr>
+  <mc:AlternateContent xmlns:mc="http://schemas.openxmlformats.org/markup-compatibility/2006" xmlns:p159="http://schemas.microsoft.com/office/powerpoint/2015/09/main">
+    <mc:Choice Requires="p159">
+      <p:transition spd="med">
+        <p159:morph option="byObject"/>
+      </p:transition>
+    </mc:Choice>
+    <mc:Fallback xmlns="">
+      <p:transition spd="med">
+        <p:fade/>
+      </p:transition>
+    </mc:Fallback>
+  </mc:AlternateContent>
+</p:sld>
+</file>
+
+<file path=ppt/slides/slide4.xml><?xml version="1.0" encoding="utf-8"?>
+<p:sld xmlns:a="http://schemas.openxmlformats.org/drawingml/2006/main" xmlns:r="http://schemas.openxmlformats.org/officeDocument/2006/relationships" xmlns:p="http://schemas.openxmlformats.org/presentationml/2006/main">
+  <p:cSld name="Slide 2">
+    <p:spTree>
+      <p:nvGrpSpPr>
+        <p:cNvPr id="1" name=""/>
+        <p:cNvGrpSpPr/>
+        <p:nvPr/>
+      </p:nvGrpSpPr>
+      <p:grpSpPr>
+        <a:xfrm>
+          <a:off x="0" y="0"/>
+          <a:ext cx="0" cy="0"/>
+          <a:chOff x="0" y="0"/>
+          <a:chExt cx="0" cy="0"/>
+        </a:xfrm>
+      </p:grpSpPr>
+      <p:pic>
+        <p:nvPicPr>
+          <p:cNvPr id="2" name="Object 1" descr="/tmp/beautiful_ai_exports/5abb0e1b-f07b-448d-ae3d-a714151df048.jpg"/>
           <p:cNvPicPr>
             <a:picLocks noChangeAspect="1"/>
           </p:cNvPicPr>
@@ -1754,14 +2147,14 @@
   <p:clrMapOvr>
     <a:masterClrMapping/>
   </p:clrMapOvr>
-  <mc:AlternateContent xmlns:mc="http://schemas.openxmlformats.org/markup-compatibility/2006">
-    <mc:Choice xmlns:p159="http://schemas.microsoft.com/office/powerpoint/2015/09/main" Requires="p159">
-      <p:transition spd="slow">
+  <mc:AlternateContent xmlns:mc="http://schemas.openxmlformats.org/markup-compatibility/2006" xmlns:p159="http://schemas.microsoft.com/office/powerpoint/2015/09/main">
+    <mc:Choice Requires="p159">
+      <p:transition spd="med">
         <p159:morph option="byObject"/>
       </p:transition>
     </mc:Choice>
-    <mc:Fallback>
-      <p:transition spd="slow">
+    <mc:Fallback xmlns="">
+      <p:transition spd="med">
         <p:fade/>
       </p:transition>
     </mc:Fallback>
@@ -1769,9 +2162,234 @@
 </p:sld>
 </file>
 
-<file path=ppt/slides/slide4.xml><?xml version="1.0" encoding="utf-8"?>
+<file path=ppt/slides/slide5.xml><?xml version="1.0" encoding="utf-8"?>
 <p:sld xmlns:a="http://schemas.openxmlformats.org/drawingml/2006/main" xmlns:r="http://schemas.openxmlformats.org/officeDocument/2006/relationships" xmlns:p="http://schemas.openxmlformats.org/presentationml/2006/main">
-  <p:cSld name="Slide 4">
+  <p:cSld>
+    <p:spTree>
+      <p:nvGrpSpPr>
+        <p:cNvPr id="1" name=""/>
+        <p:cNvGrpSpPr/>
+        <p:nvPr/>
+      </p:nvGrpSpPr>
+      <p:grpSpPr>
+        <a:xfrm>
+          <a:off x="0" y="0"/>
+          <a:ext cx="0" cy="0"/>
+          <a:chOff x="0" y="0"/>
+          <a:chExt cx="0" cy="0"/>
+        </a:xfrm>
+      </p:grpSpPr>
+      <p:pic>
+        <p:nvPicPr>
+          <p:cNvPr id="2" name="Object 1" descr="/tmp/beautiful_ai_exports/b50a5c59-0f9e-48a8-ab27-76c8ef244b9a.jpg"/>
+          <p:cNvPicPr>
+            <a:picLocks noChangeAspect="1"/>
+          </p:cNvPicPr>
+          <p:nvPr/>
+        </p:nvPicPr>
+        <p:blipFill>
+          <a:blip r:embed="rId3"/>
+          <a:srcRect/>
+          <a:stretch/>
+        </p:blipFill>
+        <p:spPr>
+          <a:xfrm>
+            <a:off x="0" y="0"/>
+            <a:ext cx="9144000" cy="5143500"/>
+          </a:xfrm>
+          <a:prstGeom prst="rect">
+            <a:avLst/>
+          </a:prstGeom>
+        </p:spPr>
+      </p:pic>
+      <p:pic>
+        <p:nvPicPr>
+          <p:cNvPr id="4" name="Picture 3">
+            <a:extLst>
+              <a:ext uri="{FF2B5EF4-FFF2-40B4-BE49-F238E27FC236}">
+                <a16:creationId xmlns:a16="http://schemas.microsoft.com/office/drawing/2014/main" id="{96118352-5EAD-2FC2-D94F-1CD93D7A2921}"/>
+              </a:ext>
+            </a:extLst>
+          </p:cNvPr>
+          <p:cNvPicPr>
+            <a:picLocks noChangeAspect="1"/>
+          </p:cNvPicPr>
+          <p:nvPr/>
+        </p:nvPicPr>
+        <p:blipFill>
+          <a:blip r:embed="rId4"/>
+          <a:stretch>
+            <a:fillRect/>
+          </a:stretch>
+        </p:blipFill>
+        <p:spPr>
+          <a:xfrm>
+            <a:off x="1082039" y="0"/>
+            <a:ext cx="6979921" cy="5143500"/>
+          </a:xfrm>
+          <a:prstGeom prst="rect">
+            <a:avLst/>
+          </a:prstGeom>
+        </p:spPr>
+      </p:pic>
+    </p:spTree>
+    <p:extLst>
+      <p:ext uri="{BB962C8B-B14F-4D97-AF65-F5344CB8AC3E}">
+        <p14:creationId xmlns:p14="http://schemas.microsoft.com/office/powerpoint/2010/main" val="1916110889"/>
+      </p:ext>
+    </p:extLst>
+  </p:cSld>
+  <p:clrMapOvr>
+    <a:masterClrMapping/>
+  </p:clrMapOvr>
+  <mc:AlternateContent xmlns:mc="http://schemas.openxmlformats.org/markup-compatibility/2006" xmlns:p159="http://schemas.microsoft.com/office/powerpoint/2015/09/main">
+    <mc:Choice Requires="p159">
+      <p:transition spd="med">
+        <p159:morph option="byObject"/>
+      </p:transition>
+    </mc:Choice>
+    <mc:Fallback xmlns="">
+      <p:transition spd="med">
+        <p:fade/>
+      </p:transition>
+    </mc:Fallback>
+  </mc:AlternateContent>
+</p:sld>
+</file>
+
+<file path=ppt/slides/slide6.xml><?xml version="1.0" encoding="utf-8"?>
+<p:sld xmlns:a="http://schemas.openxmlformats.org/drawingml/2006/main" xmlns:r="http://schemas.openxmlformats.org/officeDocument/2006/relationships" xmlns:p="http://schemas.openxmlformats.org/presentationml/2006/main">
+  <p:cSld>
+    <p:spTree>
+      <p:nvGrpSpPr>
+        <p:cNvPr id="1" name=""/>
+        <p:cNvGrpSpPr/>
+        <p:nvPr/>
+      </p:nvGrpSpPr>
+      <p:grpSpPr>
+        <a:xfrm>
+          <a:off x="0" y="0"/>
+          <a:ext cx="0" cy="0"/>
+          <a:chOff x="0" y="0"/>
+          <a:chExt cx="0" cy="0"/>
+        </a:xfrm>
+      </p:grpSpPr>
+      <p:pic>
+        <p:nvPicPr>
+          <p:cNvPr id="2" name="Object 1" descr="/tmp/beautiful_ai_exports/b50a5c59-0f9e-48a8-ab27-76c8ef244b9a.jpg"/>
+          <p:cNvPicPr>
+            <a:picLocks noChangeAspect="1"/>
+          </p:cNvPicPr>
+          <p:nvPr/>
+        </p:nvPicPr>
+        <p:blipFill>
+          <a:blip r:embed="rId3"/>
+          <a:srcRect/>
+          <a:stretch/>
+        </p:blipFill>
+        <p:spPr>
+          <a:xfrm>
+            <a:off x="0" y="0"/>
+            <a:ext cx="9144000" cy="5143500"/>
+          </a:xfrm>
+          <a:prstGeom prst="rect">
+            <a:avLst/>
+          </a:prstGeom>
+        </p:spPr>
+      </p:pic>
+      <p:pic>
+        <p:nvPicPr>
+          <p:cNvPr id="5" name="Picture 4">
+            <a:extLst>
+              <a:ext uri="{FF2B5EF4-FFF2-40B4-BE49-F238E27FC236}">
+                <a16:creationId xmlns:a16="http://schemas.microsoft.com/office/drawing/2014/main" id="{B8F648DC-5770-6AD8-A8F9-BB0642B1268B}"/>
+              </a:ext>
+            </a:extLst>
+          </p:cNvPr>
+          <p:cNvPicPr>
+            <a:picLocks noChangeAspect="1"/>
+          </p:cNvPicPr>
+          <p:nvPr/>
+        </p:nvPicPr>
+        <p:blipFill>
+          <a:blip r:embed="rId4"/>
+          <a:stretch>
+            <a:fillRect/>
+          </a:stretch>
+        </p:blipFill>
+        <p:spPr>
+          <a:xfrm>
+            <a:off x="1182610" y="0"/>
+            <a:ext cx="6555756" cy="5143500"/>
+          </a:xfrm>
+          <a:prstGeom prst="rect">
+            <a:avLst/>
+          </a:prstGeom>
+        </p:spPr>
+      </p:pic>
+      <p:sp>
+        <p:nvSpPr>
+          <p:cNvPr id="7" name="TextBox 6">
+            <a:extLst>
+              <a:ext uri="{FF2B5EF4-FFF2-40B4-BE49-F238E27FC236}">
+                <a16:creationId xmlns:a16="http://schemas.microsoft.com/office/drawing/2014/main" id="{B518DDC2-DBA1-658A-12C7-438D99391CC0}"/>
+              </a:ext>
+            </a:extLst>
+          </p:cNvPr>
+          <p:cNvSpPr txBox="1"/>
+          <p:nvPr/>
+        </p:nvSpPr>
+        <p:spPr>
+          <a:xfrm>
+            <a:off x="1182610" y="59473"/>
+            <a:ext cx="2074127" cy="646331"/>
+          </a:xfrm>
+          <a:prstGeom prst="rect">
+            <a:avLst/>
+          </a:prstGeom>
+          <a:noFill/>
+        </p:spPr>
+        <p:txBody>
+          <a:bodyPr wrap="square" rtlCol="0">
+            <a:spAutoFit/>
+          </a:bodyPr>
+          <a:lstStyle/>
+          <a:p>
+            <a:r>
+              <a:rPr lang="en-US" dirty="0"/>
+              <a:t>1. Architecture Design</a:t>
+            </a:r>
+          </a:p>
+        </p:txBody>
+      </p:sp>
+    </p:spTree>
+    <p:extLst>
+      <p:ext uri="{BB962C8B-B14F-4D97-AF65-F5344CB8AC3E}">
+        <p14:creationId xmlns:p14="http://schemas.microsoft.com/office/powerpoint/2010/main" val="4110394868"/>
+      </p:ext>
+    </p:extLst>
+  </p:cSld>
+  <p:clrMapOvr>
+    <a:masterClrMapping/>
+  </p:clrMapOvr>
+  <mc:AlternateContent xmlns:mc="http://schemas.openxmlformats.org/markup-compatibility/2006" xmlns:p159="http://schemas.microsoft.com/office/powerpoint/2015/09/main">
+    <mc:Choice Requires="p159">
+      <p:transition spd="med">
+        <p159:morph option="byObject"/>
+      </p:transition>
+    </mc:Choice>
+    <mc:Fallback xmlns="">
+      <p:transition spd="med">
+        <p:fade/>
+      </p:transition>
+    </mc:Fallback>
+  </mc:AlternateContent>
+</p:sld>
+</file>
+
+<file path=ppt/slides/slide7.xml><?xml version="1.0" encoding="utf-8"?>
+<p:sld xmlns:a="http://schemas.openxmlformats.org/drawingml/2006/main" xmlns:r="http://schemas.openxmlformats.org/officeDocument/2006/relationships" xmlns:p="http://schemas.openxmlformats.org/presentationml/2006/main">
+  <p:cSld name="Slide 7">
     <p:spTree>
       <p:nvGrpSpPr>
         <p:cNvPr id="1" name=""/>
@@ -1814,14 +2432,14 @@
   <p:clrMapOvr>
     <a:masterClrMapping/>
   </p:clrMapOvr>
-  <mc:AlternateContent xmlns:mc="http://schemas.openxmlformats.org/markup-compatibility/2006">
-    <mc:Choice xmlns:p159="http://schemas.microsoft.com/office/powerpoint/2015/09/main" Requires="p159">
-      <p:transition spd="slow">
+  <mc:AlternateContent xmlns:mc="http://schemas.openxmlformats.org/markup-compatibility/2006" xmlns:p159="http://schemas.microsoft.com/office/powerpoint/2015/09/main">
+    <mc:Choice Requires="p159">
+      <p:transition spd="med">
         <p159:morph option="byObject"/>
       </p:transition>
     </mc:Choice>
-    <mc:Fallback>
-      <p:transition spd="slow">
+    <mc:Fallback xmlns="">
+      <p:transition spd="med">
         <p:fade/>
       </p:transition>
     </mc:Fallback>
@@ -1829,9 +2447,9 @@
 </p:sld>
 </file>
 
-<file path=ppt/slides/slide5.xml><?xml version="1.0" encoding="utf-8"?>
+<file path=ppt/slides/slide8.xml><?xml version="1.0" encoding="utf-8"?>
 <p:sld xmlns:a="http://schemas.openxmlformats.org/drawingml/2006/main" xmlns:r="http://schemas.openxmlformats.org/officeDocument/2006/relationships" xmlns:p="http://schemas.openxmlformats.org/presentationml/2006/main">
-  <p:cSld name="Slide 5">
+  <p:cSld name="Slide 8">
     <p:spTree>
       <p:nvGrpSpPr>
         <p:cNvPr id="1" name=""/>
@@ -1874,14 +2492,14 @@
   <p:clrMapOvr>
     <a:masterClrMapping/>
   </p:clrMapOvr>
-  <mc:AlternateContent xmlns:mc="http://schemas.openxmlformats.org/markup-compatibility/2006">
-    <mc:Choice xmlns:p159="http://schemas.microsoft.com/office/powerpoint/2015/09/main" Requires="p159">
-      <p:transition spd="slow">
+  <mc:AlternateContent xmlns:mc="http://schemas.openxmlformats.org/markup-compatibility/2006" xmlns:p159="http://schemas.microsoft.com/office/powerpoint/2015/09/main">
+    <mc:Choice Requires="p159">
+      <p:transition spd="med">
         <p159:morph option="byObject"/>
       </p:transition>
     </mc:Choice>
-    <mc:Fallback>
-      <p:transition spd="slow">
+    <mc:Fallback xmlns="">
+      <p:transition spd="med">
         <p:fade/>
       </p:transition>
     </mc:Fallback>
@@ -1889,9 +2507,9 @@
 </p:sld>
 </file>
 
-<file path=ppt/slides/slide6.xml><?xml version="1.0" encoding="utf-8"?>
+<file path=ppt/slides/slide9.xml><?xml version="1.0" encoding="utf-8"?>
 <p:sld xmlns:a="http://schemas.openxmlformats.org/drawingml/2006/main" xmlns:r="http://schemas.openxmlformats.org/officeDocument/2006/relationships" xmlns:p="http://schemas.openxmlformats.org/presentationml/2006/main">
-  <p:cSld name="Slide 6">
+  <p:cSld name="Slide 9">
     <p:spTree>
       <p:nvGrpSpPr>
         <p:cNvPr id="1" name=""/>
@@ -1934,419 +2552,14 @@
   <p:clrMapOvr>
     <a:masterClrMapping/>
   </p:clrMapOvr>
-  <mc:AlternateContent xmlns:mc="http://schemas.openxmlformats.org/markup-compatibility/2006">
-    <mc:Choice xmlns:p159="http://schemas.microsoft.com/office/powerpoint/2015/09/main" Requires="p159">
-      <p:transition spd="slow">
+  <mc:AlternateContent xmlns:mc="http://schemas.openxmlformats.org/markup-compatibility/2006" xmlns:p159="http://schemas.microsoft.com/office/powerpoint/2015/09/main">
+    <mc:Choice Requires="p159">
+      <p:transition spd="med">
         <p159:morph option="byObject"/>
       </p:transition>
     </mc:Choice>
-    <mc:Fallback>
-      <p:transition spd="slow">
-        <p:fade/>
-      </p:transition>
-    </mc:Fallback>
-  </mc:AlternateContent>
-</p:sld>
-</file>
-
-<file path=ppt/slides/slide7.xml><?xml version="1.0" encoding="utf-8"?>
-<p:sld xmlns:a="http://schemas.openxmlformats.org/drawingml/2006/main" xmlns:r="http://schemas.openxmlformats.org/officeDocument/2006/relationships" xmlns:p="http://schemas.openxmlformats.org/presentationml/2006/main">
-  <p:cSld name="Slide 7">
-    <p:spTree>
-      <p:nvGrpSpPr>
-        <p:cNvPr id="1" name=""/>
-        <p:cNvGrpSpPr/>
-        <p:nvPr/>
-      </p:nvGrpSpPr>
-      <p:grpSpPr>
-        <a:xfrm>
-          <a:off x="0" y="0"/>
-          <a:ext cx="0" cy="0"/>
-          <a:chOff x="0" y="0"/>
-          <a:chExt cx="0" cy="0"/>
-        </a:xfrm>
-      </p:grpSpPr>
-      <p:pic>
-        <p:nvPicPr>
-          <p:cNvPr id="2" name="Object 1" descr="/tmp/beautiful_ai_exports/2957bcad-9a90-47c7-be43-9509327909cf.jpg"/>
-          <p:cNvPicPr>
-            <a:picLocks noChangeAspect="1"/>
-          </p:cNvPicPr>
-          <p:nvPr/>
-        </p:nvPicPr>
-        <p:blipFill>
-          <a:blip r:embed="rId3"/>
-          <a:srcRect/>
-          <a:stretch/>
-        </p:blipFill>
-        <p:spPr>
-          <a:xfrm>
-            <a:off x="0" y="0"/>
-            <a:ext cx="9144000" cy="5143500"/>
-          </a:xfrm>
-          <a:prstGeom prst="rect">
-            <a:avLst/>
-          </a:prstGeom>
-        </p:spPr>
-      </p:pic>
-    </p:spTree>
-  </p:cSld>
-  <p:clrMapOvr>
-    <a:masterClrMapping/>
-  </p:clrMapOvr>
-  <mc:AlternateContent xmlns:mc="http://schemas.openxmlformats.org/markup-compatibility/2006">
-    <mc:Choice xmlns:p159="http://schemas.microsoft.com/office/powerpoint/2015/09/main" Requires="p159">
-      <p:transition spd="slow">
-        <p159:morph option="byObject"/>
-      </p:transition>
-    </mc:Choice>
-    <mc:Fallback>
-      <p:transition spd="slow">
-        <p:fade/>
-      </p:transition>
-    </mc:Fallback>
-  </mc:AlternateContent>
-</p:sld>
-</file>
-
-<file path=ppt/slides/slide8.xml><?xml version="1.0" encoding="utf-8"?>
-<p:sld xmlns:a="http://schemas.openxmlformats.org/drawingml/2006/main" xmlns:r="http://schemas.openxmlformats.org/officeDocument/2006/relationships" xmlns:p="http://schemas.openxmlformats.org/presentationml/2006/main">
-  <p:cSld name="Slide 8">
-    <p:spTree>
-      <p:nvGrpSpPr>
-        <p:cNvPr id="1" name=""/>
-        <p:cNvGrpSpPr/>
-        <p:nvPr/>
-      </p:nvGrpSpPr>
-      <p:grpSpPr>
-        <a:xfrm>
-          <a:off x="0" y="0"/>
-          <a:ext cx="0" cy="0"/>
-          <a:chOff x="0" y="0"/>
-          <a:chExt cx="0" cy="0"/>
-        </a:xfrm>
-      </p:grpSpPr>
-      <p:pic>
-        <p:nvPicPr>
-          <p:cNvPr id="2" name="Object 1" descr="/tmp/beautiful_ai_exports/10c3a21e-4ce7-422c-ac7d-dff2bf9fc413.jpg"/>
-          <p:cNvPicPr>
-            <a:picLocks noChangeAspect="1"/>
-          </p:cNvPicPr>
-          <p:nvPr/>
-        </p:nvPicPr>
-        <p:blipFill>
-          <a:blip r:embed="rId3"/>
-          <a:srcRect/>
-          <a:stretch/>
-        </p:blipFill>
-        <p:spPr>
-          <a:xfrm>
-            <a:off x="0" y="0"/>
-            <a:ext cx="9144000" cy="5143500"/>
-          </a:xfrm>
-          <a:prstGeom prst="rect">
-            <a:avLst/>
-          </a:prstGeom>
-        </p:spPr>
-      </p:pic>
-      <p:grpSp>
-        <p:nvGrpSpPr>
-          <p:cNvPr id="6" name="Group 5">
-            <a:extLst>
-              <a:ext uri="{FF2B5EF4-FFF2-40B4-BE49-F238E27FC236}">
-                <a16:creationId xmlns:a16="http://schemas.microsoft.com/office/drawing/2014/main" id="{37A3F7CA-5459-39FD-15FD-3D12C9B76F1F}"/>
-              </a:ext>
-            </a:extLst>
-          </p:cNvPr>
-          <p:cNvGrpSpPr/>
-          <p:nvPr/>
-        </p:nvGrpSpPr>
-        <p:grpSpPr>
-          <a:xfrm>
-            <a:off x="6285465" y="1531420"/>
-            <a:ext cx="887040" cy="358560"/>
-            <a:chOff x="6285465" y="1531420"/>
-            <a:chExt cx="887040" cy="358560"/>
-          </a:xfrm>
-        </p:grpSpPr>
-        <mc:AlternateContent xmlns:mc="http://schemas.openxmlformats.org/markup-compatibility/2006">
-          <mc:Choice xmlns:p14="http://schemas.microsoft.com/office/powerpoint/2010/main" Requires="p14">
-            <p:contentPart p14:bwMode="auto" r:id="rId4">
-              <p14:nvContentPartPr>
-                <p14:cNvPr id="3" name="Ink 2">
-                  <a:extLst>
-                    <a:ext uri="{FF2B5EF4-FFF2-40B4-BE49-F238E27FC236}">
-                      <a16:creationId xmlns:a16="http://schemas.microsoft.com/office/drawing/2014/main" id="{5EA5D800-D7CB-1D53-A4D3-F95244C56CE2}"/>
-                    </a:ext>
-                  </a:extLst>
-                </p14:cNvPr>
-                <p14:cNvContentPartPr/>
-                <p14:nvPr/>
-              </p14:nvContentPartPr>
-              <p14:xfrm>
-                <a:off x="6285465" y="1545100"/>
-                <a:ext cx="887040" cy="344880"/>
-              </p14:xfrm>
-            </p:contentPart>
-          </mc:Choice>
-          <mc:Fallback>
-            <p:pic>
-              <p:nvPicPr>
-                <p:cNvPr id="3" name="Ink 2">
-                  <a:extLst>
-                    <a:ext uri="{FF2B5EF4-FFF2-40B4-BE49-F238E27FC236}">
-                      <a16:creationId xmlns:a16="http://schemas.microsoft.com/office/drawing/2014/main" id="{5EA5D800-D7CB-1D53-A4D3-F95244C56CE2}"/>
-                    </a:ext>
-                  </a:extLst>
-                </p:cNvPr>
-                <p:cNvPicPr/>
-                <p:nvPr/>
-              </p:nvPicPr>
-              <p:blipFill>
-                <a:blip r:embed="rId5"/>
-                <a:stretch>
-                  <a:fillRect/>
-                </a:stretch>
-              </p:blipFill>
-              <p:spPr>
-                <a:xfrm>
-                  <a:off x="6267465" y="1527460"/>
-                  <a:ext cx="922680" cy="380520"/>
-                </a:xfrm>
-                <a:prstGeom prst="rect">
-                  <a:avLst/>
-                </a:prstGeom>
-              </p:spPr>
-            </p:pic>
-          </mc:Fallback>
-        </mc:AlternateContent>
-        <mc:AlternateContent xmlns:mc="http://schemas.openxmlformats.org/markup-compatibility/2006">
-          <mc:Choice xmlns:p14="http://schemas.microsoft.com/office/powerpoint/2010/main" Requires="p14">
-            <p:contentPart p14:bwMode="auto" r:id="rId6">
-              <p14:nvContentPartPr>
-                <p14:cNvPr id="4" name="Ink 3">
-                  <a:extLst>
-                    <a:ext uri="{FF2B5EF4-FFF2-40B4-BE49-F238E27FC236}">
-                      <a16:creationId xmlns:a16="http://schemas.microsoft.com/office/drawing/2014/main" id="{6A6B1259-2DD6-F345-C8FD-AEF0A9C45BEA}"/>
-                    </a:ext>
-                  </a:extLst>
-                </p14:cNvPr>
-                <p14:cNvContentPartPr/>
-                <p14:nvPr/>
-              </p14:nvContentPartPr>
-              <p14:xfrm>
-                <a:off x="6633225" y="1533940"/>
-                <a:ext cx="5760" cy="5040"/>
-              </p14:xfrm>
-            </p:contentPart>
-          </mc:Choice>
-          <mc:Fallback>
-            <p:pic>
-              <p:nvPicPr>
-                <p:cNvPr id="4" name="Ink 3">
-                  <a:extLst>
-                    <a:ext uri="{FF2B5EF4-FFF2-40B4-BE49-F238E27FC236}">
-                      <a16:creationId xmlns:a16="http://schemas.microsoft.com/office/drawing/2014/main" id="{6A6B1259-2DD6-F345-C8FD-AEF0A9C45BEA}"/>
-                    </a:ext>
-                  </a:extLst>
-                </p:cNvPr>
-                <p:cNvPicPr/>
-                <p:nvPr/>
-              </p:nvPicPr>
-              <p:blipFill>
-                <a:blip r:embed="rId7"/>
-                <a:stretch>
-                  <a:fillRect/>
-                </a:stretch>
-              </p:blipFill>
-              <p:spPr>
-                <a:xfrm>
-                  <a:off x="6615225" y="1516300"/>
-                  <a:ext cx="41400" cy="40680"/>
-                </a:xfrm>
-                <a:prstGeom prst="rect">
-                  <a:avLst/>
-                </a:prstGeom>
-              </p:spPr>
-            </p:pic>
-          </mc:Fallback>
-        </mc:AlternateContent>
-        <mc:AlternateContent xmlns:mc="http://schemas.openxmlformats.org/markup-compatibility/2006">
-          <mc:Choice xmlns:p14="http://schemas.microsoft.com/office/powerpoint/2010/main" Requires="p14">
-            <p:contentPart p14:bwMode="auto" r:id="rId8">
-              <p14:nvContentPartPr>
-                <p14:cNvPr id="5" name="Ink 4">
-                  <a:extLst>
-                    <a:ext uri="{FF2B5EF4-FFF2-40B4-BE49-F238E27FC236}">
-                      <a16:creationId xmlns:a16="http://schemas.microsoft.com/office/drawing/2014/main" id="{4724DB6F-3563-AF5B-4980-6CFA9DD93446}"/>
-                    </a:ext>
-                  </a:extLst>
-                </p14:cNvPr>
-                <p14:cNvContentPartPr/>
-                <p14:nvPr/>
-              </p14:nvContentPartPr>
-              <p14:xfrm>
-                <a:off x="6574185" y="1531420"/>
-                <a:ext cx="72000" cy="360"/>
-              </p14:xfrm>
-            </p:contentPart>
-          </mc:Choice>
-          <mc:Fallback>
-            <p:pic>
-              <p:nvPicPr>
-                <p:cNvPr id="5" name="Ink 4">
-                  <a:extLst>
-                    <a:ext uri="{FF2B5EF4-FFF2-40B4-BE49-F238E27FC236}">
-                      <a16:creationId xmlns:a16="http://schemas.microsoft.com/office/drawing/2014/main" id="{4724DB6F-3563-AF5B-4980-6CFA9DD93446}"/>
-                    </a:ext>
-                  </a:extLst>
-                </p:cNvPr>
-                <p:cNvPicPr/>
-                <p:nvPr/>
-              </p:nvPicPr>
-              <p:blipFill>
-                <a:blip r:embed="rId9"/>
-                <a:stretch>
-                  <a:fillRect/>
-                </a:stretch>
-              </p:blipFill>
-              <p:spPr>
-                <a:xfrm>
-                  <a:off x="6556185" y="1513420"/>
-                  <a:ext cx="107640" cy="36000"/>
-                </a:xfrm>
-                <a:prstGeom prst="rect">
-                  <a:avLst/>
-                </a:prstGeom>
-              </p:spPr>
-            </p:pic>
-          </mc:Fallback>
-        </mc:AlternateContent>
-      </p:grpSp>
-    </p:spTree>
-  </p:cSld>
-  <p:clrMapOvr>
-    <a:masterClrMapping/>
-  </p:clrMapOvr>
-  <mc:AlternateContent xmlns:mc="http://schemas.openxmlformats.org/markup-compatibility/2006">
-    <mc:Choice xmlns:p159="http://schemas.microsoft.com/office/powerpoint/2015/09/main" Requires="p159">
-      <p:transition spd="slow">
-        <p159:morph option="byObject"/>
-      </p:transition>
-    </mc:Choice>
-    <mc:Fallback>
-      <p:transition spd="slow">
-        <p:fade/>
-      </p:transition>
-    </mc:Fallback>
-  </mc:AlternateContent>
-</p:sld>
-</file>
-
-<file path=ppt/slides/slide9.xml><?xml version="1.0" encoding="utf-8"?>
-<p:sld xmlns:a="http://schemas.openxmlformats.org/drawingml/2006/main" xmlns:r="http://schemas.openxmlformats.org/officeDocument/2006/relationships" xmlns:p="http://schemas.openxmlformats.org/presentationml/2006/main">
-  <p:cSld name="Slide 9">
-    <p:spTree>
-      <p:nvGrpSpPr>
-        <p:cNvPr id="1" name=""/>
-        <p:cNvGrpSpPr/>
-        <p:nvPr/>
-      </p:nvGrpSpPr>
-      <p:grpSpPr>
-        <a:xfrm>
-          <a:off x="0" y="0"/>
-          <a:ext cx="0" cy="0"/>
-          <a:chOff x="0" y="0"/>
-          <a:chExt cx="0" cy="0"/>
-        </a:xfrm>
-      </p:grpSpPr>
-      <p:pic>
-        <p:nvPicPr>
-          <p:cNvPr id="2" name="Object 1" descr="/tmp/beautiful_ai_exports/c06e9008-81d1-4441-afb7-3e4a8563bdb4.jpg"/>
-          <p:cNvPicPr>
-            <a:picLocks noChangeAspect="1"/>
-          </p:cNvPicPr>
-          <p:nvPr/>
-        </p:nvPicPr>
-        <p:blipFill>
-          <a:blip r:embed="rId3"/>
-          <a:srcRect/>
-          <a:stretch/>
-        </p:blipFill>
-        <p:spPr>
-          <a:xfrm>
-            <a:off x="0" y="0"/>
-            <a:ext cx="9144000" cy="5143500"/>
-          </a:xfrm>
-          <a:prstGeom prst="rect">
-            <a:avLst/>
-          </a:prstGeom>
-        </p:spPr>
-      </p:pic>
-      <mc:AlternateContent xmlns:mc="http://schemas.openxmlformats.org/markup-compatibility/2006">
-        <mc:Choice xmlns:p14="http://schemas.microsoft.com/office/powerpoint/2010/main" Requires="p14">
-          <p:contentPart p14:bwMode="auto" r:id="rId4">
-            <p14:nvContentPartPr>
-              <p14:cNvPr id="7" name="Ink 6">
-                <a:extLst>
-                  <a:ext uri="{FF2B5EF4-FFF2-40B4-BE49-F238E27FC236}">
-                    <a16:creationId xmlns:a16="http://schemas.microsoft.com/office/drawing/2014/main" id="{DCE23B81-8ABA-D488-FA93-99D7315013FC}"/>
-                  </a:ext>
-                </a:extLst>
-              </p14:cNvPr>
-              <p14:cNvContentPartPr/>
-              <p14:nvPr/>
-            </p14:nvContentPartPr>
-            <p14:xfrm>
-              <a:off x="6239745" y="1508740"/>
-              <a:ext cx="940680" cy="343800"/>
-            </p14:xfrm>
-          </p:contentPart>
-        </mc:Choice>
-        <mc:Fallback>
-          <p:pic>
-            <p:nvPicPr>
-              <p:cNvPr id="7" name="Ink 6">
-                <a:extLst>
-                  <a:ext uri="{FF2B5EF4-FFF2-40B4-BE49-F238E27FC236}">
-                    <a16:creationId xmlns:a16="http://schemas.microsoft.com/office/drawing/2014/main" id="{DCE23B81-8ABA-D488-FA93-99D7315013FC}"/>
-                  </a:ext>
-                </a:extLst>
-              </p:cNvPr>
-              <p:cNvPicPr/>
-              <p:nvPr/>
-            </p:nvPicPr>
-            <p:blipFill>
-              <a:blip r:embed="rId5"/>
-              <a:stretch>
-                <a:fillRect/>
-              </a:stretch>
-            </p:blipFill>
-            <p:spPr>
-              <a:xfrm>
-                <a:off x="6222105" y="1490740"/>
-                <a:ext cx="976320" cy="379440"/>
-              </a:xfrm>
-              <a:prstGeom prst="rect">
-                <a:avLst/>
-              </a:prstGeom>
-            </p:spPr>
-          </p:pic>
-        </mc:Fallback>
-      </mc:AlternateContent>
-    </p:spTree>
-  </p:cSld>
-  <p:clrMapOvr>
-    <a:masterClrMapping/>
-  </p:clrMapOvr>
-  <mc:AlternateContent xmlns:mc="http://schemas.openxmlformats.org/markup-compatibility/2006">
-    <mc:Choice xmlns:p159="http://schemas.microsoft.com/office/powerpoint/2015/09/main" Requires="p159">
-      <p:transition spd="slow">
-        <p159:morph option="byObject"/>
-      </p:transition>
-    </mc:Choice>
-    <mc:Fallback>
-      <p:transition spd="slow">
+    <mc:Fallback xmlns="">
+      <p:transition spd="med">
         <p:fade/>
       </p:transition>
     </mc:Fallback>
